--- a/Supplementaries/Supp2-DMPs.pptx
+++ b/Supplementaries/Supp2-DMPs.pptx
@@ -300,7 +300,7 @@
           <a:p>
             <a:fld id="{DB44D3C2-DE9E-4880-8F88-8211D21A37AD}" type="datetimeFigureOut">
               <a:rPr lang="en-GB" smtClean="0"/>
-              <a:t>18/09/2013</a:t>
+              <a:t>12/02/2015</a:t>
             </a:fld>
             <a:endParaRPr lang="en-GB"/>
           </a:p>
@@ -470,7 +470,7 @@
           <a:p>
             <a:fld id="{DB44D3C2-DE9E-4880-8F88-8211D21A37AD}" type="datetimeFigureOut">
               <a:rPr lang="en-GB" smtClean="0"/>
-              <a:t>18/09/2013</a:t>
+              <a:t>12/02/2015</a:t>
             </a:fld>
             <a:endParaRPr lang="en-GB"/>
           </a:p>
@@ -650,7 +650,7 @@
           <a:p>
             <a:fld id="{DB44D3C2-DE9E-4880-8F88-8211D21A37AD}" type="datetimeFigureOut">
               <a:rPr lang="en-GB" smtClean="0"/>
-              <a:t>18/09/2013</a:t>
+              <a:t>12/02/2015</a:t>
             </a:fld>
             <a:endParaRPr lang="en-GB"/>
           </a:p>
@@ -820,7 +820,7 @@
           <a:p>
             <a:fld id="{DB44D3C2-DE9E-4880-8F88-8211D21A37AD}" type="datetimeFigureOut">
               <a:rPr lang="en-GB" smtClean="0"/>
-              <a:t>18/09/2013</a:t>
+              <a:t>12/02/2015</a:t>
             </a:fld>
             <a:endParaRPr lang="en-GB"/>
           </a:p>
@@ -1066,7 +1066,7 @@
           <a:p>
             <a:fld id="{DB44D3C2-DE9E-4880-8F88-8211D21A37AD}" type="datetimeFigureOut">
               <a:rPr lang="en-GB" smtClean="0"/>
-              <a:t>18/09/2013</a:t>
+              <a:t>12/02/2015</a:t>
             </a:fld>
             <a:endParaRPr lang="en-GB"/>
           </a:p>
@@ -1354,7 +1354,7 @@
           <a:p>
             <a:fld id="{DB44D3C2-DE9E-4880-8F88-8211D21A37AD}" type="datetimeFigureOut">
               <a:rPr lang="en-GB" smtClean="0"/>
-              <a:t>18/09/2013</a:t>
+              <a:t>12/02/2015</a:t>
             </a:fld>
             <a:endParaRPr lang="en-GB"/>
           </a:p>
@@ -1776,7 +1776,7 @@
           <a:p>
             <a:fld id="{DB44D3C2-DE9E-4880-8F88-8211D21A37AD}" type="datetimeFigureOut">
               <a:rPr lang="en-GB" smtClean="0"/>
-              <a:t>18/09/2013</a:t>
+              <a:t>12/02/2015</a:t>
             </a:fld>
             <a:endParaRPr lang="en-GB"/>
           </a:p>
@@ -1894,7 +1894,7 @@
           <a:p>
             <a:fld id="{DB44D3C2-DE9E-4880-8F88-8211D21A37AD}" type="datetimeFigureOut">
               <a:rPr lang="en-GB" smtClean="0"/>
-              <a:t>18/09/2013</a:t>
+              <a:t>12/02/2015</a:t>
             </a:fld>
             <a:endParaRPr lang="en-GB"/>
           </a:p>
@@ -1989,7 +1989,7 @@
           <a:p>
             <a:fld id="{DB44D3C2-DE9E-4880-8F88-8211D21A37AD}" type="datetimeFigureOut">
               <a:rPr lang="en-GB" smtClean="0"/>
-              <a:t>18/09/2013</a:t>
+              <a:t>12/02/2015</a:t>
             </a:fld>
             <a:endParaRPr lang="en-GB"/>
           </a:p>
@@ -2266,7 +2266,7 @@
           <a:p>
             <a:fld id="{DB44D3C2-DE9E-4880-8F88-8211D21A37AD}" type="datetimeFigureOut">
               <a:rPr lang="en-GB" smtClean="0"/>
-              <a:t>18/09/2013</a:t>
+              <a:t>12/02/2015</a:t>
             </a:fld>
             <a:endParaRPr lang="en-GB"/>
           </a:p>
@@ -2519,7 +2519,7 @@
           <a:p>
             <a:fld id="{DB44D3C2-DE9E-4880-8F88-8211D21A37AD}" type="datetimeFigureOut">
               <a:rPr lang="en-GB" smtClean="0"/>
-              <a:t>18/09/2013</a:t>
+              <a:t>12/02/2015</a:t>
             </a:fld>
             <a:endParaRPr lang="en-GB"/>
           </a:p>
@@ -2732,7 +2732,7 @@
           <a:p>
             <a:fld id="{DB44D3C2-DE9E-4880-8F88-8211D21A37AD}" type="datetimeFigureOut">
               <a:rPr lang="en-GB" smtClean="0"/>
-              <a:t>18/09/2013</a:t>
+              <a:t>12/02/2015</a:t>
             </a:fld>
             <a:endParaRPr lang="en-GB"/>
           </a:p>
@@ -3326,35 +3326,7 @@
                 <a:latin typeface="Kozuka Gothic Pr6N B" pitchFamily="34" charset="-128"/>
                 <a:ea typeface="Kozuka Gothic Pr6N B" pitchFamily="34" charset="-128"/>
               </a:rPr>
-              <a:t> Presentation slides authored by </a:t>
-            </a:r>
-            <a:r>
-              <a:rPr lang="en-GB" sz="1700" smtClean="0">
-                <a:effectLst>
-                  <a:outerShdw blurRad="50800" dist="38100" dir="8100000" algn="tr" rotWithShape="0">
-                    <a:prstClr val="black">
-                      <a:alpha val="40000"/>
-                    </a:prstClr>
-                  </a:outerShdw>
-                </a:effectLst>
-                <a:latin typeface="Kozuka Gothic Pr6N B" pitchFamily="34" charset="-128"/>
-                <a:ea typeface="Kozuka Gothic Pr6N B" pitchFamily="34" charset="-128"/>
-              </a:rPr>
-              <a:t>Sophie </a:t>
-            </a:r>
-            <a:r>
-              <a:rPr lang="en-GB" sz="1700" smtClean="0">
-                <a:effectLst>
-                  <a:outerShdw blurRad="50800" dist="38100" dir="8100000" algn="tr" rotWithShape="0">
-                    <a:prstClr val="black">
-                      <a:alpha val="40000"/>
-                    </a:prstClr>
-                  </a:outerShdw>
-                </a:effectLst>
-                <a:latin typeface="Kozuka Gothic Pr6N B" pitchFamily="34" charset="-128"/>
-                <a:ea typeface="Kozuka Gothic Pr6N B" pitchFamily="34" charset="-128"/>
-              </a:rPr>
-              <a:t>Kay 2013</a:t>
+              <a:t> Presentation slides authored by Sophie Kay </a:t>
             </a:r>
             <a:r>
               <a:rPr lang="en-GB" sz="1700" dirty="0" smtClean="0">
@@ -3368,7 +3340,21 @@
                 <a:latin typeface="Kozuka Gothic Pr6N B" pitchFamily="34" charset="-128"/>
                 <a:ea typeface="Kozuka Gothic Pr6N B" pitchFamily="34" charset="-128"/>
               </a:rPr>
-              <a:t>, CC-BY-3.0.</a:t>
+              <a:t>2013 (rev. 2015), CC-BY-4.0</a:t>
+            </a:r>
+            <a:r>
+              <a:rPr lang="en-GB" sz="1700" dirty="0" smtClean="0">
+                <a:effectLst>
+                  <a:outerShdw blurRad="50800" dist="38100" dir="8100000" algn="tr" rotWithShape="0">
+                    <a:prstClr val="black">
+                      <a:alpha val="40000"/>
+                    </a:prstClr>
+                  </a:outerShdw>
+                </a:effectLst>
+                <a:latin typeface="Kozuka Gothic Pr6N B" pitchFamily="34" charset="-128"/>
+                <a:ea typeface="Kozuka Gothic Pr6N B" pitchFamily="34" charset="-128"/>
+              </a:rPr>
+              <a:t>.</a:t>
             </a:r>
           </a:p>
           <a:p>
@@ -3413,7 +3399,23 @@
                 <a:ea typeface="Kozuka Gothic Pr6N B" pitchFamily="34" charset="-128"/>
                 <a:hlinkClick r:id="rId3"/>
               </a:rPr>
-              <a:t>http://creativecommons.org/licenses/by/3.0/ </a:t>
+              <a:t>http://</a:t>
+            </a:r>
+            <a:r>
+              <a:rPr lang="en-GB" sz="1700" dirty="0" smtClean="0">
+                <a:latin typeface="Kozuka Gothic Pr6N B" pitchFamily="34" charset="-128"/>
+                <a:ea typeface="Kozuka Gothic Pr6N B" pitchFamily="34" charset="-128"/>
+                <a:hlinkClick r:id="rId3"/>
+              </a:rPr>
+              <a:t>creativecommons.org/licenses/by/4.0</a:t>
+            </a:r>
+            <a:r>
+              <a:rPr lang="en-GB" sz="1700" dirty="0" smtClean="0">
+                <a:latin typeface="Kozuka Gothic Pr6N B" pitchFamily="34" charset="-128"/>
+                <a:ea typeface="Kozuka Gothic Pr6N B" pitchFamily="34" charset="-128"/>
+                <a:hlinkClick r:id="rId3"/>
+              </a:rPr>
+              <a:t>/ </a:t>
             </a:r>
             <a:r>
               <a:rPr lang="en-GB" sz="1700" dirty="0" smtClean="0">
@@ -7206,7 +7208,6 @@
               <a:rPr lang="en-GB" sz="2500" b="1" dirty="0" smtClean="0"/>
               <a:t>elease date?</a:t>
             </a:r>
-            <a:endParaRPr lang="en-GB" sz="2500" b="1" dirty="0" smtClean="0"/>
           </a:p>
           <a:p>
             <a:pPr marL="457200" indent="-457200">
